--- a/JSP PPT/第02章 HTML元素.pptx
+++ b/JSP PPT/第02章 HTML元素.pptx
@@ -54,13 +54,13 @@
     <p:sldId id="312" r:id="rId48"/>
     <p:sldId id="313" r:id="rId49"/>
     <p:sldId id="314" r:id="rId50"/>
-    <p:sldId id="315" r:id="rId51"/>
-    <p:sldId id="316" r:id="rId52"/>
-    <p:sldId id="317" r:id="rId53"/>
-    <p:sldId id="318" r:id="rId54"/>
-    <p:sldId id="319" r:id="rId55"/>
-    <p:sldId id="320" r:id="rId56"/>
-    <p:sldId id="321" r:id="rId57"/>
+    <p:sldId id="320" r:id="rId51"/>
+    <p:sldId id="321" r:id="rId52"/>
+    <p:sldId id="315" r:id="rId53"/>
+    <p:sldId id="316" r:id="rId54"/>
+    <p:sldId id="317" r:id="rId55"/>
+    <p:sldId id="318" r:id="rId56"/>
+    <p:sldId id="319" r:id="rId57"/>
     <p:sldId id="322" r:id="rId58"/>
     <p:sldId id="323" r:id="rId59"/>
     <p:sldId id="324" r:id="rId60"/>
@@ -21961,7 +21961,7 @@
           <a:p>
             <a:fld id="{530820CF-B880-4189-942D-D702A7CBA730}" type="datetimeFigureOut">
               <a:rPr lang="zh-CN" altLang="en-US" smtClean="0"/>
-              <a:t>2018/9/11</a:t>
+              <a:t>2019/6/11</a:t>
             </a:fld>
             <a:endParaRPr lang="zh-CN" altLang="en-US"/>
           </a:p>
@@ -22126,7 +22126,7 @@
           <a:p>
             <a:fld id="{530820CF-B880-4189-942D-D702A7CBA730}" type="datetimeFigureOut">
               <a:rPr lang="zh-CN" altLang="en-US" smtClean="0"/>
-              <a:t>2018/9/11</a:t>
+              <a:t>2019/6/11</a:t>
             </a:fld>
             <a:endParaRPr lang="zh-CN" altLang="en-US"/>
           </a:p>
@@ -22301,7 +22301,7 @@
           <a:p>
             <a:fld id="{530820CF-B880-4189-942D-D702A7CBA730}" type="datetimeFigureOut">
               <a:rPr lang="zh-CN" altLang="en-US" smtClean="0"/>
-              <a:t>2018/9/11</a:t>
+              <a:t>2019/6/11</a:t>
             </a:fld>
             <a:endParaRPr lang="zh-CN" altLang="en-US"/>
           </a:p>
@@ -22484,7 +22484,7 @@
           <a:p>
             <a:fld id="{530820CF-B880-4189-942D-D702A7CBA730}" type="datetimeFigureOut">
               <a:rPr lang="zh-CN" altLang="en-US" smtClean="0"/>
-              <a:t>2018/9/11</a:t>
+              <a:t>2019/6/11</a:t>
             </a:fld>
             <a:endParaRPr lang="zh-CN" altLang="en-US"/>
           </a:p>
@@ -22746,7 +22746,7 @@
           <a:p>
             <a:fld id="{530820CF-B880-4189-942D-D702A7CBA730}" type="datetimeFigureOut">
               <a:rPr lang="zh-CN" altLang="en-US" smtClean="0"/>
-              <a:t>2018/9/11</a:t>
+              <a:t>2019/6/11</a:t>
             </a:fld>
             <a:endParaRPr lang="zh-CN" altLang="en-US"/>
           </a:p>
@@ -23094,7 +23094,7 @@
           <a:p>
             <a:fld id="{530820CF-B880-4189-942D-D702A7CBA730}" type="datetimeFigureOut">
               <a:rPr lang="zh-CN" altLang="en-US" smtClean="0"/>
-              <a:t>2018/9/11</a:t>
+              <a:t>2019/6/11</a:t>
             </a:fld>
             <a:endParaRPr lang="zh-CN" altLang="en-US"/>
           </a:p>
@@ -23402,7 +23402,7 @@
           <a:p>
             <a:fld id="{530820CF-B880-4189-942D-D702A7CBA730}" type="datetimeFigureOut">
               <a:rPr lang="zh-CN" altLang="en-US" smtClean="0"/>
-              <a:t>2018/9/11</a:t>
+              <a:t>2019/6/11</a:t>
             </a:fld>
             <a:endParaRPr lang="zh-CN" altLang="en-US"/>
           </a:p>
@@ -23629,7 +23629,7 @@
           <a:p>
             <a:fld id="{530820CF-B880-4189-942D-D702A7CBA730}" type="datetimeFigureOut">
               <a:rPr lang="zh-CN" altLang="en-US" smtClean="0"/>
-              <a:t>2018/9/11</a:t>
+              <a:t>2019/6/11</a:t>
             </a:fld>
             <a:endParaRPr lang="zh-CN" altLang="en-US"/>
           </a:p>
@@ -23719,7 +23719,7 @@
           <a:p>
             <a:fld id="{530820CF-B880-4189-942D-D702A7CBA730}" type="datetimeFigureOut">
               <a:rPr lang="zh-CN" altLang="en-US" smtClean="0"/>
-              <a:t>2018/9/11</a:t>
+              <a:t>2019/6/11</a:t>
             </a:fld>
             <a:endParaRPr lang="zh-CN" altLang="en-US"/>
           </a:p>
@@ -24007,7 +24007,7 @@
           <a:p>
             <a:fld id="{530820CF-B880-4189-942D-D702A7CBA730}" type="datetimeFigureOut">
               <a:rPr lang="zh-CN" altLang="en-US" smtClean="0"/>
-              <a:t>2018/9/11</a:t>
+              <a:t>2019/6/11</a:t>
             </a:fld>
             <a:endParaRPr lang="zh-CN" altLang="en-US"/>
           </a:p>
@@ -24276,7 +24276,7 @@
           <a:p>
             <a:fld id="{530820CF-B880-4189-942D-D702A7CBA730}" type="datetimeFigureOut">
               <a:rPr lang="zh-CN" altLang="en-US" smtClean="0"/>
-              <a:t>2018/9/11</a:t>
+              <a:t>2019/6/11</a:t>
             </a:fld>
             <a:endParaRPr lang="zh-CN" altLang="en-US"/>
           </a:p>
@@ -24486,7 +24486,7 @@
           <a:p>
             <a:fld id="{530820CF-B880-4189-942D-D702A7CBA730}" type="datetimeFigureOut">
               <a:rPr lang="zh-CN" altLang="en-US" smtClean="0"/>
-              <a:t>2018/9/11</a:t>
+              <a:t>2019/6/11</a:t>
             </a:fld>
             <a:endParaRPr lang="zh-CN" altLang="en-US"/>
           </a:p>
@@ -44782,6 +44782,441 @@
           <a:lstStyle/>
           <a:p>
             <a:r>
+              <a:rPr lang="en-US" altLang="zh-CN" dirty="0"/>
+              <a:t>&lt;</a:t>
+            </a:r>
+            <a:r>
+              <a:rPr lang="en-US" altLang="zh-CN" dirty="0" err="1"/>
+              <a:t>fieldset</a:t>
+            </a:r>
+            <a:r>
+              <a:rPr lang="en-US" altLang="zh-CN" dirty="0"/>
+              <a:t>&gt;</a:t>
+            </a:r>
+            <a:r>
+              <a:rPr lang="zh-CN" altLang="en-US" dirty="0"/>
+              <a:t>元素可以将表单中的一部分内容组合起来，生成一组相关表单的字段。</a:t>
+            </a:r>
+            <a:endParaRPr lang="en-US" altLang="zh-CN" dirty="0"/>
+          </a:p>
+          <a:p>
+            <a:r>
+              <a:rPr lang="zh-CN" altLang="en-US" dirty="0"/>
+              <a:t>当一组表单元素作为子元素放到</a:t>
+            </a:r>
+            <a:r>
+              <a:rPr lang="en-US" altLang="zh-CN" dirty="0"/>
+              <a:t>&lt;</a:t>
+            </a:r>
+            <a:r>
+              <a:rPr lang="en-US" altLang="zh-CN" dirty="0" err="1"/>
+              <a:t>fieldset</a:t>
+            </a:r>
+            <a:r>
+              <a:rPr lang="en-US" altLang="zh-CN" dirty="0"/>
+              <a:t>&gt;</a:t>
+            </a:r>
+            <a:r>
+              <a:rPr lang="zh-CN" altLang="en-US" dirty="0"/>
+              <a:t>元素内时，浏览器通常会以加上边框的方式进行显示。</a:t>
+            </a:r>
+            <a:endParaRPr lang="en-US" altLang="zh-CN" dirty="0"/>
+          </a:p>
+          <a:p>
+            <a:r>
+              <a:rPr lang="zh-CN" altLang="en-US" dirty="0"/>
+              <a:t>作为</a:t>
+            </a:r>
+            <a:r>
+              <a:rPr lang="en-US" altLang="zh-CN" dirty="0"/>
+              <a:t>&lt;</a:t>
+            </a:r>
+            <a:r>
+              <a:rPr lang="en-US" altLang="zh-CN" dirty="0" err="1"/>
+              <a:t>fieldset</a:t>
+            </a:r>
+            <a:r>
+              <a:rPr lang="en-US" altLang="zh-CN" dirty="0"/>
+              <a:t>&gt;</a:t>
+            </a:r>
+            <a:r>
+              <a:rPr lang="zh-CN" altLang="en-US" dirty="0"/>
+              <a:t>元素的第一个子元素，</a:t>
+            </a:r>
+            <a:r>
+              <a:rPr lang="en-US" altLang="zh-CN" dirty="0"/>
+              <a:t>&lt;legend&gt;</a:t>
+            </a:r>
+            <a:r>
+              <a:rPr lang="zh-CN" altLang="en-US" dirty="0"/>
+              <a:t>元素可以为</a:t>
+            </a:r>
+            <a:r>
+              <a:rPr lang="en-US" altLang="zh-CN" dirty="0"/>
+              <a:t>&lt;</a:t>
+            </a:r>
+            <a:r>
+              <a:rPr lang="en-US" altLang="zh-CN" dirty="0" err="1"/>
+              <a:t>fieldset</a:t>
+            </a:r>
+            <a:r>
+              <a:rPr lang="en-US" altLang="zh-CN" dirty="0"/>
+              <a:t>&gt;</a:t>
+            </a:r>
+            <a:r>
+              <a:rPr lang="zh-CN" altLang="en-US" dirty="0"/>
+              <a:t>元素加上标题。</a:t>
+            </a:r>
+          </a:p>
+        </p:txBody>
+      </p:sp>
+    </p:spTree>
+    <p:extLst>
+      <p:ext uri="{BB962C8B-B14F-4D97-AF65-F5344CB8AC3E}">
+        <p14:creationId xmlns:p14="http://schemas.microsoft.com/office/powerpoint/2010/main" val="2617363601"/>
+      </p:ext>
+    </p:extLst>
+  </p:cSld>
+  <p:clrMapOvr>
+    <a:masterClrMapping/>
+  </p:clrMapOvr>
+</p:sld>
+</file>
+
+<file path=ppt/slides/slide51.xml><?xml version="1.0" encoding="utf-8"?>
+<p:sld xmlns:a="http://schemas.openxmlformats.org/drawingml/2006/main" xmlns:r="http://schemas.openxmlformats.org/officeDocument/2006/relationships" xmlns:p="http://schemas.openxmlformats.org/presentationml/2006/main">
+  <p:cSld>
+    <p:spTree>
+      <p:nvGrpSpPr>
+        <p:cNvPr id="1" name=""/>
+        <p:cNvGrpSpPr/>
+        <p:nvPr/>
+      </p:nvGrpSpPr>
+      <p:grpSpPr>
+        <a:xfrm>
+          <a:off x="0" y="0"/>
+          <a:ext cx="0" cy="0"/>
+          <a:chOff x="0" y="0"/>
+          <a:chExt cx="0" cy="0"/>
+        </a:xfrm>
+      </p:grpSpPr>
+      <p:sp>
+        <p:nvSpPr>
+          <p:cNvPr id="2" name="标题 1"/>
+          <p:cNvSpPr>
+            <a:spLocks noGrp="1"/>
+          </p:cNvSpPr>
+          <p:nvPr>
+            <p:ph type="title"/>
+          </p:nvPr>
+        </p:nvSpPr>
+        <p:spPr/>
+        <p:txBody>
+          <a:bodyPr/>
+          <a:lstStyle/>
+          <a:p>
+            <a:r>
+              <a:rPr lang="en-US" altLang="zh-CN" sz="4800" dirty="0"/>
+              <a:t>2.8 </a:t>
+            </a:r>
+            <a:r>
+              <a:rPr lang="zh-CN" altLang="en-US" sz="4800" dirty="0"/>
+              <a:t>表单元素</a:t>
+            </a:r>
+          </a:p>
+        </p:txBody>
+      </p:sp>
+      <p:sp>
+        <p:nvSpPr>
+          <p:cNvPr id="3" name="内容占位符 2"/>
+          <p:cNvSpPr>
+            <a:spLocks noGrp="1"/>
+          </p:cNvSpPr>
+          <p:nvPr>
+            <p:ph idx="1"/>
+          </p:nvPr>
+        </p:nvSpPr>
+        <p:spPr/>
+        <p:txBody>
+          <a:bodyPr>
+            <a:normAutofit/>
+          </a:bodyPr>
+          <a:lstStyle/>
+          <a:p>
+            <a:pPr marL="0" indent="0">
+              <a:buNone/>
+            </a:pPr>
+            <a:r>
+              <a:rPr lang="en-US" altLang="zh-CN" sz="1600" dirty="0"/>
+              <a:t>&lt;html&gt;</a:t>
+            </a:r>
+            <a:endParaRPr lang="zh-CN" altLang="zh-CN" sz="1600" dirty="0"/>
+          </a:p>
+          <a:p>
+            <a:pPr marL="0" indent="0">
+              <a:buNone/>
+            </a:pPr>
+            <a:r>
+              <a:rPr lang="en-US" altLang="zh-CN" sz="1600" dirty="0"/>
+              <a:t>&lt;body&gt;</a:t>
+            </a:r>
+            <a:endParaRPr lang="zh-CN" altLang="zh-CN" sz="1600" dirty="0"/>
+          </a:p>
+          <a:p>
+            <a:pPr marL="0" indent="0">
+              <a:buNone/>
+            </a:pPr>
+            <a:r>
+              <a:rPr lang="en-US" altLang="zh-CN" sz="1600" dirty="0"/>
+              <a:t>    &lt;</a:t>
+            </a:r>
+            <a:r>
+              <a:rPr lang="en-US" altLang="zh-CN" sz="1600" dirty="0" err="1"/>
+              <a:t>fieldset</a:t>
+            </a:r>
+            <a:r>
+              <a:rPr lang="en-US" altLang="zh-CN" sz="1600" dirty="0"/>
+              <a:t>&gt;</a:t>
+            </a:r>
+            <a:endParaRPr lang="zh-CN" altLang="zh-CN" sz="1600" dirty="0"/>
+          </a:p>
+          <a:p>
+            <a:pPr marL="0" indent="0">
+              <a:buNone/>
+            </a:pPr>
+            <a:r>
+              <a:rPr lang="en-US" altLang="zh-CN" sz="1600" dirty="0"/>
+              <a:t>        &lt;legend&gt;</a:t>
+            </a:r>
+            <a:r>
+              <a:rPr lang="zh-CN" altLang="zh-CN" sz="1600" dirty="0"/>
+              <a:t>健康信息：</a:t>
+            </a:r>
+            <a:r>
+              <a:rPr lang="en-US" altLang="zh-CN" sz="1600" dirty="0"/>
+              <a:t>&lt;/legend&gt;</a:t>
+            </a:r>
+            <a:endParaRPr lang="zh-CN" altLang="zh-CN" sz="1600" dirty="0"/>
+          </a:p>
+          <a:p>
+            <a:pPr marL="0" indent="0">
+              <a:buNone/>
+            </a:pPr>
+            <a:r>
+              <a:rPr lang="en-US" altLang="zh-CN" sz="1600" dirty="0"/>
+              <a:t>        &lt;form&gt;</a:t>
+            </a:r>
+            <a:endParaRPr lang="zh-CN" altLang="zh-CN" sz="1600" dirty="0"/>
+          </a:p>
+          <a:p>
+            <a:pPr marL="0" indent="0">
+              <a:buNone/>
+            </a:pPr>
+            <a:r>
+              <a:rPr lang="en-US" altLang="zh-CN" sz="1600" dirty="0"/>
+              <a:t>            &lt;label&gt;</a:t>
+            </a:r>
+            <a:r>
+              <a:rPr lang="zh-CN" altLang="zh-CN" sz="1600" dirty="0"/>
+              <a:t>身高：</a:t>
+            </a:r>
+            <a:r>
+              <a:rPr lang="en-US" altLang="zh-CN" sz="1600" dirty="0"/>
+              <a:t>&lt;input type="text" /&gt;&lt;/label&gt;</a:t>
+            </a:r>
+            <a:endParaRPr lang="zh-CN" altLang="zh-CN" sz="1600" dirty="0"/>
+          </a:p>
+          <a:p>
+            <a:pPr marL="0" indent="0">
+              <a:buNone/>
+            </a:pPr>
+            <a:r>
+              <a:rPr lang="en-US" altLang="zh-CN" sz="1600" dirty="0"/>
+              <a:t>            &lt;label&gt;</a:t>
+            </a:r>
+            <a:r>
+              <a:rPr lang="zh-CN" altLang="zh-CN" sz="1600" dirty="0"/>
+              <a:t>体重：</a:t>
+            </a:r>
+            <a:r>
+              <a:rPr lang="en-US" altLang="zh-CN" sz="1600" dirty="0"/>
+              <a:t>&lt;input type="text" /&gt;&lt;/label&gt;</a:t>
+            </a:r>
+            <a:endParaRPr lang="zh-CN" altLang="zh-CN" sz="1600" dirty="0"/>
+          </a:p>
+          <a:p>
+            <a:pPr marL="0" indent="0">
+              <a:buNone/>
+            </a:pPr>
+            <a:r>
+              <a:rPr lang="en-US" altLang="zh-CN" sz="1600" dirty="0"/>
+              <a:t>        &lt;/form&gt;</a:t>
+            </a:r>
+            <a:endParaRPr lang="zh-CN" altLang="zh-CN" sz="1600" dirty="0"/>
+          </a:p>
+          <a:p>
+            <a:pPr marL="0" indent="0">
+              <a:buNone/>
+            </a:pPr>
+            <a:r>
+              <a:rPr lang="en-US" altLang="zh-CN" sz="1600" dirty="0"/>
+              <a:t>    &lt;/</a:t>
+            </a:r>
+            <a:r>
+              <a:rPr lang="en-US" altLang="zh-CN" sz="1600" dirty="0" err="1"/>
+              <a:t>fieldset</a:t>
+            </a:r>
+            <a:r>
+              <a:rPr lang="en-US" altLang="zh-CN" sz="1600" dirty="0"/>
+              <a:t>&gt;</a:t>
+            </a:r>
+            <a:endParaRPr lang="zh-CN" altLang="zh-CN" sz="1600" dirty="0"/>
+          </a:p>
+          <a:p>
+            <a:pPr marL="0" indent="0">
+              <a:buNone/>
+            </a:pPr>
+            <a:r>
+              <a:rPr lang="en-US" altLang="zh-CN" sz="1600" dirty="0"/>
+              <a:t>&lt;/body&gt;</a:t>
+            </a:r>
+            <a:endParaRPr lang="zh-CN" altLang="zh-CN" sz="1600" dirty="0"/>
+          </a:p>
+          <a:p>
+            <a:pPr marL="0" indent="0">
+              <a:buNone/>
+            </a:pPr>
+            <a:r>
+              <a:rPr lang="en-US" altLang="zh-CN" sz="1600" dirty="0"/>
+              <a:t>&lt;/html&gt;</a:t>
+            </a:r>
+            <a:endParaRPr lang="zh-CN" altLang="en-US" sz="1600" dirty="0"/>
+          </a:p>
+        </p:txBody>
+      </p:sp>
+      <p:pic>
+        <p:nvPicPr>
+          <p:cNvPr id="38914" name="图片 1"/>
+          <p:cNvPicPr>
+            <a:picLocks noChangeAspect="1" noChangeArrowheads="1"/>
+          </p:cNvPicPr>
+          <p:nvPr/>
+        </p:nvPicPr>
+        <p:blipFill>
+          <a:blip r:embed="rId2">
+            <a:extLst>
+              <a:ext uri="{28A0092B-C50C-407E-A947-70E740481C1C}">
+                <a14:useLocalDpi xmlns:a14="http://schemas.microsoft.com/office/drawing/2010/main" val="0"/>
+              </a:ext>
+            </a:extLst>
+          </a:blip>
+          <a:srcRect/>
+          <a:stretch>
+            <a:fillRect/>
+          </a:stretch>
+        </p:blipFill>
+        <p:spPr bwMode="auto">
+          <a:xfrm>
+            <a:off x="2483768" y="3453825"/>
+            <a:ext cx="5814521" cy="936104"/>
+          </a:xfrm>
+          <a:prstGeom prst="rect">
+            <a:avLst/>
+          </a:prstGeom>
+          <a:noFill/>
+          <a:ln w="9525">
+            <a:solidFill>
+              <a:srgbClr val="000000"/>
+            </a:solidFill>
+            <a:miter lim="800000"/>
+            <a:headEnd/>
+            <a:tailEnd/>
+          </a:ln>
+          <a:extLst>
+            <a:ext uri="{909E8E84-426E-40DD-AFC4-6F175D3DCCD1}">
+              <a14:hiddenFill xmlns:a14="http://schemas.microsoft.com/office/drawing/2010/main">
+                <a:solidFill>
+                  <a:srgbClr val="FFFFFF"/>
+                </a:solidFill>
+              </a14:hiddenFill>
+            </a:ext>
+          </a:extLst>
+        </p:spPr>
+      </p:pic>
+    </p:spTree>
+    <p:extLst>
+      <p:ext uri="{BB962C8B-B14F-4D97-AF65-F5344CB8AC3E}">
+        <p14:creationId xmlns:p14="http://schemas.microsoft.com/office/powerpoint/2010/main" val="2323634487"/>
+      </p:ext>
+    </p:extLst>
+  </p:cSld>
+  <p:clrMapOvr>
+    <a:masterClrMapping/>
+  </p:clrMapOvr>
+</p:sld>
+</file>
+
+<file path=ppt/slides/slide52.xml><?xml version="1.0" encoding="utf-8"?>
+<p:sld xmlns:a="http://schemas.openxmlformats.org/drawingml/2006/main" xmlns:r="http://schemas.openxmlformats.org/officeDocument/2006/relationships" xmlns:p="http://schemas.openxmlformats.org/presentationml/2006/main">
+  <p:cSld>
+    <p:spTree>
+      <p:nvGrpSpPr>
+        <p:cNvPr id="1" name=""/>
+        <p:cNvGrpSpPr/>
+        <p:nvPr/>
+      </p:nvGrpSpPr>
+      <p:grpSpPr>
+        <a:xfrm>
+          <a:off x="0" y="0"/>
+          <a:ext cx="0" cy="0"/>
+          <a:chOff x="0" y="0"/>
+          <a:chExt cx="0" cy="0"/>
+        </a:xfrm>
+      </p:grpSpPr>
+      <p:sp>
+        <p:nvSpPr>
+          <p:cNvPr id="2" name="标题 1"/>
+          <p:cNvSpPr>
+            <a:spLocks noGrp="1"/>
+          </p:cNvSpPr>
+          <p:nvPr>
+            <p:ph type="title"/>
+          </p:nvPr>
+        </p:nvSpPr>
+        <p:spPr/>
+        <p:txBody>
+          <a:bodyPr/>
+          <a:lstStyle/>
+          <a:p>
+            <a:r>
+              <a:rPr lang="en-US" altLang="zh-CN" sz="4800" dirty="0"/>
+              <a:t>2.8 </a:t>
+            </a:r>
+            <a:r>
+              <a:rPr lang="zh-CN" altLang="en-US" sz="4800" dirty="0"/>
+              <a:t>表单元素</a:t>
+            </a:r>
+          </a:p>
+        </p:txBody>
+      </p:sp>
+      <p:sp>
+        <p:nvSpPr>
+          <p:cNvPr id="3" name="内容占位符 2"/>
+          <p:cNvSpPr>
+            <a:spLocks noGrp="1"/>
+          </p:cNvSpPr>
+          <p:nvPr>
+            <p:ph idx="1"/>
+          </p:nvPr>
+        </p:nvSpPr>
+        <p:spPr/>
+        <p:txBody>
+          <a:bodyPr>
+            <a:normAutofit/>
+          </a:bodyPr>
+          <a:lstStyle/>
+          <a:p>
+            <a:r>
               <a:rPr lang="en-US" altLang="zh-CN" sz="1800" dirty="0"/>
               <a:t>&lt;select&gt;</a:t>
             </a:r>
@@ -45182,7 +45617,7 @@
 </p:sld>
 </file>
 
-<file path=ppt/slides/slide51.xml><?xml version="1.0" encoding="utf-8"?>
+<file path=ppt/slides/slide53.xml><?xml version="1.0" encoding="utf-8"?>
 <p:sld xmlns:a="http://schemas.openxmlformats.org/drawingml/2006/main" xmlns:r="http://schemas.openxmlformats.org/officeDocument/2006/relationships" xmlns:p="http://schemas.openxmlformats.org/presentationml/2006/main">
   <p:cSld>
     <p:spTree>
@@ -45488,7 +45923,7 @@
 </p:sld>
 </file>
 
-<file path=ppt/slides/slide52.xml><?xml version="1.0" encoding="utf-8"?>
+<file path=ppt/slides/slide54.xml><?xml version="1.0" encoding="utf-8"?>
 <p:sld xmlns:a="http://schemas.openxmlformats.org/drawingml/2006/main" xmlns:r="http://schemas.openxmlformats.org/officeDocument/2006/relationships" xmlns:p="http://schemas.openxmlformats.org/presentationml/2006/main">
   <p:cSld>
     <p:spTree>
@@ -45755,7 +46190,7 @@
 </p:sld>
 </file>
 
-<file path=ppt/slides/slide53.xml><?xml version="1.0" encoding="utf-8"?>
+<file path=ppt/slides/slide55.xml><?xml version="1.0" encoding="utf-8"?>
 <p:sld xmlns:a="http://schemas.openxmlformats.org/drawingml/2006/main" xmlns:r="http://schemas.openxmlformats.org/officeDocument/2006/relationships" xmlns:p="http://schemas.openxmlformats.org/presentationml/2006/main">
   <p:cSld>
     <p:spTree>
@@ -45954,7 +46389,7 @@
 </p:sld>
 </file>
 
-<file path=ppt/slides/slide54.xml><?xml version="1.0" encoding="utf-8"?>
+<file path=ppt/slides/slide56.xml><?xml version="1.0" encoding="utf-8"?>
 <p:sld xmlns:a="http://schemas.openxmlformats.org/drawingml/2006/main" xmlns:r="http://schemas.openxmlformats.org/officeDocument/2006/relationships" xmlns:p="http://schemas.openxmlformats.org/presentationml/2006/main">
   <p:cSld>
     <p:spTree>
@@ -46187,441 +46622,6 @@
     <p:extLst>
       <p:ext uri="{BB962C8B-B14F-4D97-AF65-F5344CB8AC3E}">
         <p14:creationId xmlns:p14="http://schemas.microsoft.com/office/powerpoint/2010/main" val="3578543745"/>
-      </p:ext>
-    </p:extLst>
-  </p:cSld>
-  <p:clrMapOvr>
-    <a:masterClrMapping/>
-  </p:clrMapOvr>
-</p:sld>
-</file>
-
-<file path=ppt/slides/slide55.xml><?xml version="1.0" encoding="utf-8"?>
-<p:sld xmlns:a="http://schemas.openxmlformats.org/drawingml/2006/main" xmlns:r="http://schemas.openxmlformats.org/officeDocument/2006/relationships" xmlns:p="http://schemas.openxmlformats.org/presentationml/2006/main">
-  <p:cSld>
-    <p:spTree>
-      <p:nvGrpSpPr>
-        <p:cNvPr id="1" name=""/>
-        <p:cNvGrpSpPr/>
-        <p:nvPr/>
-      </p:nvGrpSpPr>
-      <p:grpSpPr>
-        <a:xfrm>
-          <a:off x="0" y="0"/>
-          <a:ext cx="0" cy="0"/>
-          <a:chOff x="0" y="0"/>
-          <a:chExt cx="0" cy="0"/>
-        </a:xfrm>
-      </p:grpSpPr>
-      <p:sp>
-        <p:nvSpPr>
-          <p:cNvPr id="2" name="标题 1"/>
-          <p:cNvSpPr>
-            <a:spLocks noGrp="1"/>
-          </p:cNvSpPr>
-          <p:nvPr>
-            <p:ph type="title"/>
-          </p:nvPr>
-        </p:nvSpPr>
-        <p:spPr/>
-        <p:txBody>
-          <a:bodyPr/>
-          <a:lstStyle/>
-          <a:p>
-            <a:r>
-              <a:rPr lang="en-US" altLang="zh-CN" sz="4800" dirty="0"/>
-              <a:t>2.8 </a:t>
-            </a:r>
-            <a:r>
-              <a:rPr lang="zh-CN" altLang="en-US" sz="4800" dirty="0"/>
-              <a:t>表单元素</a:t>
-            </a:r>
-          </a:p>
-        </p:txBody>
-      </p:sp>
-      <p:sp>
-        <p:nvSpPr>
-          <p:cNvPr id="3" name="内容占位符 2"/>
-          <p:cNvSpPr>
-            <a:spLocks noGrp="1"/>
-          </p:cNvSpPr>
-          <p:nvPr>
-            <p:ph idx="1"/>
-          </p:nvPr>
-        </p:nvSpPr>
-        <p:spPr/>
-        <p:txBody>
-          <a:bodyPr>
-            <a:normAutofit/>
-          </a:bodyPr>
-          <a:lstStyle/>
-          <a:p>
-            <a:r>
-              <a:rPr lang="en-US" altLang="zh-CN" dirty="0"/>
-              <a:t>&lt;</a:t>
-            </a:r>
-            <a:r>
-              <a:rPr lang="en-US" altLang="zh-CN" dirty="0" err="1"/>
-              <a:t>fieldset</a:t>
-            </a:r>
-            <a:r>
-              <a:rPr lang="en-US" altLang="zh-CN" dirty="0"/>
-              <a:t>&gt;</a:t>
-            </a:r>
-            <a:r>
-              <a:rPr lang="zh-CN" altLang="en-US" dirty="0"/>
-              <a:t>元素可以将表单中的一部分内容组合起来，生成一组相关表单的字段。</a:t>
-            </a:r>
-            <a:endParaRPr lang="en-US" altLang="zh-CN" dirty="0"/>
-          </a:p>
-          <a:p>
-            <a:r>
-              <a:rPr lang="zh-CN" altLang="en-US" dirty="0"/>
-              <a:t>当一组表单元素作为子元素放到</a:t>
-            </a:r>
-            <a:r>
-              <a:rPr lang="en-US" altLang="zh-CN" dirty="0"/>
-              <a:t>&lt;</a:t>
-            </a:r>
-            <a:r>
-              <a:rPr lang="en-US" altLang="zh-CN" dirty="0" err="1"/>
-              <a:t>fieldset</a:t>
-            </a:r>
-            <a:r>
-              <a:rPr lang="en-US" altLang="zh-CN" dirty="0"/>
-              <a:t>&gt;</a:t>
-            </a:r>
-            <a:r>
-              <a:rPr lang="zh-CN" altLang="en-US" dirty="0"/>
-              <a:t>元素内时，浏览器通常会以加上边框的方式进行显示。</a:t>
-            </a:r>
-            <a:endParaRPr lang="en-US" altLang="zh-CN" dirty="0"/>
-          </a:p>
-          <a:p>
-            <a:r>
-              <a:rPr lang="zh-CN" altLang="en-US" dirty="0"/>
-              <a:t>作为</a:t>
-            </a:r>
-            <a:r>
-              <a:rPr lang="en-US" altLang="zh-CN" dirty="0"/>
-              <a:t>&lt;</a:t>
-            </a:r>
-            <a:r>
-              <a:rPr lang="en-US" altLang="zh-CN" dirty="0" err="1"/>
-              <a:t>fieldset</a:t>
-            </a:r>
-            <a:r>
-              <a:rPr lang="en-US" altLang="zh-CN" dirty="0"/>
-              <a:t>&gt;</a:t>
-            </a:r>
-            <a:r>
-              <a:rPr lang="zh-CN" altLang="en-US" dirty="0"/>
-              <a:t>元素的第一个子元素，</a:t>
-            </a:r>
-            <a:r>
-              <a:rPr lang="en-US" altLang="zh-CN" dirty="0"/>
-              <a:t>&lt;legend&gt;</a:t>
-            </a:r>
-            <a:r>
-              <a:rPr lang="zh-CN" altLang="en-US" dirty="0"/>
-              <a:t>元素可以为</a:t>
-            </a:r>
-            <a:r>
-              <a:rPr lang="en-US" altLang="zh-CN" dirty="0"/>
-              <a:t>&lt;</a:t>
-            </a:r>
-            <a:r>
-              <a:rPr lang="en-US" altLang="zh-CN" dirty="0" err="1"/>
-              <a:t>fieldset</a:t>
-            </a:r>
-            <a:r>
-              <a:rPr lang="en-US" altLang="zh-CN" dirty="0"/>
-              <a:t>&gt;</a:t>
-            </a:r>
-            <a:r>
-              <a:rPr lang="zh-CN" altLang="en-US" dirty="0"/>
-              <a:t>元素加上标题。</a:t>
-            </a:r>
-          </a:p>
-        </p:txBody>
-      </p:sp>
-    </p:spTree>
-    <p:extLst>
-      <p:ext uri="{BB962C8B-B14F-4D97-AF65-F5344CB8AC3E}">
-        <p14:creationId xmlns:p14="http://schemas.microsoft.com/office/powerpoint/2010/main" val="2617363601"/>
-      </p:ext>
-    </p:extLst>
-  </p:cSld>
-  <p:clrMapOvr>
-    <a:masterClrMapping/>
-  </p:clrMapOvr>
-</p:sld>
-</file>
-
-<file path=ppt/slides/slide56.xml><?xml version="1.0" encoding="utf-8"?>
-<p:sld xmlns:a="http://schemas.openxmlformats.org/drawingml/2006/main" xmlns:r="http://schemas.openxmlformats.org/officeDocument/2006/relationships" xmlns:p="http://schemas.openxmlformats.org/presentationml/2006/main">
-  <p:cSld>
-    <p:spTree>
-      <p:nvGrpSpPr>
-        <p:cNvPr id="1" name=""/>
-        <p:cNvGrpSpPr/>
-        <p:nvPr/>
-      </p:nvGrpSpPr>
-      <p:grpSpPr>
-        <a:xfrm>
-          <a:off x="0" y="0"/>
-          <a:ext cx="0" cy="0"/>
-          <a:chOff x="0" y="0"/>
-          <a:chExt cx="0" cy="0"/>
-        </a:xfrm>
-      </p:grpSpPr>
-      <p:sp>
-        <p:nvSpPr>
-          <p:cNvPr id="2" name="标题 1"/>
-          <p:cNvSpPr>
-            <a:spLocks noGrp="1"/>
-          </p:cNvSpPr>
-          <p:nvPr>
-            <p:ph type="title"/>
-          </p:nvPr>
-        </p:nvSpPr>
-        <p:spPr/>
-        <p:txBody>
-          <a:bodyPr/>
-          <a:lstStyle/>
-          <a:p>
-            <a:r>
-              <a:rPr lang="en-US" altLang="zh-CN" sz="4800" dirty="0"/>
-              <a:t>2.8 </a:t>
-            </a:r>
-            <a:r>
-              <a:rPr lang="zh-CN" altLang="en-US" sz="4800" dirty="0"/>
-              <a:t>表单元素</a:t>
-            </a:r>
-          </a:p>
-        </p:txBody>
-      </p:sp>
-      <p:sp>
-        <p:nvSpPr>
-          <p:cNvPr id="3" name="内容占位符 2"/>
-          <p:cNvSpPr>
-            <a:spLocks noGrp="1"/>
-          </p:cNvSpPr>
-          <p:nvPr>
-            <p:ph idx="1"/>
-          </p:nvPr>
-        </p:nvSpPr>
-        <p:spPr/>
-        <p:txBody>
-          <a:bodyPr>
-            <a:normAutofit/>
-          </a:bodyPr>
-          <a:lstStyle/>
-          <a:p>
-            <a:pPr marL="0" indent="0">
-              <a:buNone/>
-            </a:pPr>
-            <a:r>
-              <a:rPr lang="en-US" altLang="zh-CN" sz="1600" dirty="0"/>
-              <a:t>&lt;html&gt;</a:t>
-            </a:r>
-            <a:endParaRPr lang="zh-CN" altLang="zh-CN" sz="1600" dirty="0"/>
-          </a:p>
-          <a:p>
-            <a:pPr marL="0" indent="0">
-              <a:buNone/>
-            </a:pPr>
-            <a:r>
-              <a:rPr lang="en-US" altLang="zh-CN" sz="1600" dirty="0"/>
-              <a:t>&lt;body&gt;</a:t>
-            </a:r>
-            <a:endParaRPr lang="zh-CN" altLang="zh-CN" sz="1600" dirty="0"/>
-          </a:p>
-          <a:p>
-            <a:pPr marL="0" indent="0">
-              <a:buNone/>
-            </a:pPr>
-            <a:r>
-              <a:rPr lang="en-US" altLang="zh-CN" sz="1600" dirty="0"/>
-              <a:t>    &lt;</a:t>
-            </a:r>
-            <a:r>
-              <a:rPr lang="en-US" altLang="zh-CN" sz="1600" dirty="0" err="1"/>
-              <a:t>fieldset</a:t>
-            </a:r>
-            <a:r>
-              <a:rPr lang="en-US" altLang="zh-CN" sz="1600" dirty="0"/>
-              <a:t>&gt;</a:t>
-            </a:r>
-            <a:endParaRPr lang="zh-CN" altLang="zh-CN" sz="1600" dirty="0"/>
-          </a:p>
-          <a:p>
-            <a:pPr marL="0" indent="0">
-              <a:buNone/>
-            </a:pPr>
-            <a:r>
-              <a:rPr lang="en-US" altLang="zh-CN" sz="1600" dirty="0"/>
-              <a:t>        &lt;legend&gt;</a:t>
-            </a:r>
-            <a:r>
-              <a:rPr lang="zh-CN" altLang="zh-CN" sz="1600" dirty="0"/>
-              <a:t>健康信息：</a:t>
-            </a:r>
-            <a:r>
-              <a:rPr lang="en-US" altLang="zh-CN" sz="1600" dirty="0"/>
-              <a:t>&lt;/legend&gt;</a:t>
-            </a:r>
-            <a:endParaRPr lang="zh-CN" altLang="zh-CN" sz="1600" dirty="0"/>
-          </a:p>
-          <a:p>
-            <a:pPr marL="0" indent="0">
-              <a:buNone/>
-            </a:pPr>
-            <a:r>
-              <a:rPr lang="en-US" altLang="zh-CN" sz="1600" dirty="0"/>
-              <a:t>        &lt;form&gt;</a:t>
-            </a:r>
-            <a:endParaRPr lang="zh-CN" altLang="zh-CN" sz="1600" dirty="0"/>
-          </a:p>
-          <a:p>
-            <a:pPr marL="0" indent="0">
-              <a:buNone/>
-            </a:pPr>
-            <a:r>
-              <a:rPr lang="en-US" altLang="zh-CN" sz="1600" dirty="0"/>
-              <a:t>            &lt;label&gt;</a:t>
-            </a:r>
-            <a:r>
-              <a:rPr lang="zh-CN" altLang="zh-CN" sz="1600" dirty="0"/>
-              <a:t>身高：</a:t>
-            </a:r>
-            <a:r>
-              <a:rPr lang="en-US" altLang="zh-CN" sz="1600" dirty="0"/>
-              <a:t>&lt;input type="text" /&gt;&lt;/label&gt;</a:t>
-            </a:r>
-            <a:endParaRPr lang="zh-CN" altLang="zh-CN" sz="1600" dirty="0"/>
-          </a:p>
-          <a:p>
-            <a:pPr marL="0" indent="0">
-              <a:buNone/>
-            </a:pPr>
-            <a:r>
-              <a:rPr lang="en-US" altLang="zh-CN" sz="1600" dirty="0"/>
-              <a:t>            &lt;label&gt;</a:t>
-            </a:r>
-            <a:r>
-              <a:rPr lang="zh-CN" altLang="zh-CN" sz="1600" dirty="0"/>
-              <a:t>体重：</a:t>
-            </a:r>
-            <a:r>
-              <a:rPr lang="en-US" altLang="zh-CN" sz="1600" dirty="0"/>
-              <a:t>&lt;input type="text" /&gt;&lt;/label&gt;</a:t>
-            </a:r>
-            <a:endParaRPr lang="zh-CN" altLang="zh-CN" sz="1600" dirty="0"/>
-          </a:p>
-          <a:p>
-            <a:pPr marL="0" indent="0">
-              <a:buNone/>
-            </a:pPr>
-            <a:r>
-              <a:rPr lang="en-US" altLang="zh-CN" sz="1600" dirty="0"/>
-              <a:t>        &lt;/form&gt;</a:t>
-            </a:r>
-            <a:endParaRPr lang="zh-CN" altLang="zh-CN" sz="1600" dirty="0"/>
-          </a:p>
-          <a:p>
-            <a:pPr marL="0" indent="0">
-              <a:buNone/>
-            </a:pPr>
-            <a:r>
-              <a:rPr lang="en-US" altLang="zh-CN" sz="1600" dirty="0"/>
-              <a:t>    &lt;/</a:t>
-            </a:r>
-            <a:r>
-              <a:rPr lang="en-US" altLang="zh-CN" sz="1600" dirty="0" err="1"/>
-              <a:t>fieldset</a:t>
-            </a:r>
-            <a:r>
-              <a:rPr lang="en-US" altLang="zh-CN" sz="1600" dirty="0"/>
-              <a:t>&gt;</a:t>
-            </a:r>
-            <a:endParaRPr lang="zh-CN" altLang="zh-CN" sz="1600" dirty="0"/>
-          </a:p>
-          <a:p>
-            <a:pPr marL="0" indent="0">
-              <a:buNone/>
-            </a:pPr>
-            <a:r>
-              <a:rPr lang="en-US" altLang="zh-CN" sz="1600" dirty="0"/>
-              <a:t>&lt;/body&gt;</a:t>
-            </a:r>
-            <a:endParaRPr lang="zh-CN" altLang="zh-CN" sz="1600" dirty="0"/>
-          </a:p>
-          <a:p>
-            <a:pPr marL="0" indent="0">
-              <a:buNone/>
-            </a:pPr>
-            <a:r>
-              <a:rPr lang="en-US" altLang="zh-CN" sz="1600" dirty="0"/>
-              <a:t>&lt;/html&gt;</a:t>
-            </a:r>
-            <a:endParaRPr lang="zh-CN" altLang="en-US" sz="1600" dirty="0"/>
-          </a:p>
-        </p:txBody>
-      </p:sp>
-      <p:pic>
-        <p:nvPicPr>
-          <p:cNvPr id="38914" name="图片 1"/>
-          <p:cNvPicPr>
-            <a:picLocks noChangeAspect="1" noChangeArrowheads="1"/>
-          </p:cNvPicPr>
-          <p:nvPr/>
-        </p:nvPicPr>
-        <p:blipFill>
-          <a:blip r:embed="rId2">
-            <a:extLst>
-              <a:ext uri="{28A0092B-C50C-407E-A947-70E740481C1C}">
-                <a14:useLocalDpi xmlns:a14="http://schemas.microsoft.com/office/drawing/2010/main" val="0"/>
-              </a:ext>
-            </a:extLst>
-          </a:blip>
-          <a:srcRect/>
-          <a:stretch>
-            <a:fillRect/>
-          </a:stretch>
-        </p:blipFill>
-        <p:spPr bwMode="auto">
-          <a:xfrm>
-            <a:off x="2483768" y="3453825"/>
-            <a:ext cx="5814521" cy="936104"/>
-          </a:xfrm>
-          <a:prstGeom prst="rect">
-            <a:avLst/>
-          </a:prstGeom>
-          <a:noFill/>
-          <a:ln w="9525">
-            <a:solidFill>
-              <a:srgbClr val="000000"/>
-            </a:solidFill>
-            <a:miter lim="800000"/>
-            <a:headEnd/>
-            <a:tailEnd/>
-          </a:ln>
-          <a:extLst>
-            <a:ext uri="{909E8E84-426E-40DD-AFC4-6F175D3DCCD1}">
-              <a14:hiddenFill xmlns:a14="http://schemas.microsoft.com/office/drawing/2010/main">
-                <a:solidFill>
-                  <a:srgbClr val="FFFFFF"/>
-                </a:solidFill>
-              </a14:hiddenFill>
-            </a:ext>
-          </a:extLst>
-        </p:spPr>
-      </p:pic>
-    </p:spTree>
-    <p:extLst>
-      <p:ext uri="{BB962C8B-B14F-4D97-AF65-F5344CB8AC3E}">
-        <p14:creationId xmlns:p14="http://schemas.microsoft.com/office/powerpoint/2010/main" val="2323634487"/>
       </p:ext>
     </p:extLst>
   </p:cSld>
